--- a/Fase 2/Evidencias Proyecto/Presentacion Proyecto Red Vecinal.pptx
+++ b/Fase 2/Evidencias Proyecto/Presentacion Proyecto Red Vecinal.pptx
@@ -7147,7 +7147,7 @@
                 </a:lnSpc>
               </a:pPr>
               <a:r>
-                <a:rPr lang="en-US" sz="3900" spc="36">
+                <a:rPr lang="en-US" sz="3900" spc="36" dirty="0">
                   <a:solidFill>
                     <a:srgbClr val="F7F7F7"/>
                   </a:solidFill>
@@ -7168,7 +7168,19 @@
                 <a:buChar char="⚬"/>
               </a:pPr>
               <a:r>
-                <a:rPr lang="en-US" sz="3000" spc="28">
+                <a:rPr lang="en-US" sz="3000" spc="28" dirty="0">
+                  <a:solidFill>
+                    <a:srgbClr val="F7F7F7"/>
+                  </a:solidFill>
+                  <a:latin typeface="TT Rounds Condensed"/>
+                  <a:ea typeface="TT Rounds Condensed"/>
+                  <a:cs typeface="TT Rounds Condensed"/>
+                  <a:sym typeface="TT Rounds Condensed"/>
+                </a:rPr>
+                <a:t>Cargo: </a:t>
+              </a:r>
+              <a:r>
+                <a:rPr lang="en-US" sz="3000" spc="28" dirty="0" err="1">
                   <a:solidFill>
                     <a:srgbClr val="F7F7F7"/>
                   </a:solidFill>
@@ -7179,6 +7191,15 @@
                 </a:rPr>
                 <a:t>Desarrollador</a:t>
               </a:r>
+              <a:endParaRPr lang="en-US" sz="3000" spc="28" dirty="0">
+                <a:solidFill>
+                  <a:srgbClr val="F7F7F7"/>
+                </a:solidFill>
+                <a:latin typeface="TT Rounds Condensed"/>
+                <a:ea typeface="TT Rounds Condensed"/>
+                <a:cs typeface="TT Rounds Condensed"/>
+                <a:sym typeface="TT Rounds Condensed"/>
+              </a:endParaRPr>
             </a:p>
             <a:p>
               <a:pPr marL="542925" lvl="2" indent="-180975" algn="l">
@@ -7189,7 +7210,7 @@
                 <a:buChar char="⚬"/>
               </a:pPr>
               <a:r>
-                <a:rPr lang="en-US" sz="3000" spc="28">
+                <a:rPr lang="en-US" sz="3000" spc="28" dirty="0" err="1">
                   <a:solidFill>
                     <a:srgbClr val="F7F7F7"/>
                   </a:solidFill>
@@ -7198,8 +7219,65 @@
                   <a:cs typeface="TT Rounds Condensed"/>
                   <a:sym typeface="TT Rounds Condensed"/>
                 </a:rPr>
-                <a:t>Desarrollar Backend del proyecto</a:t>
+                <a:t>Función</a:t>
               </a:r>
+              <a:r>
+                <a:rPr lang="en-US" sz="3000" spc="28" dirty="0">
+                  <a:solidFill>
+                    <a:srgbClr val="F7F7F7"/>
+                  </a:solidFill>
+                  <a:latin typeface="TT Rounds Condensed"/>
+                  <a:ea typeface="TT Rounds Condensed"/>
+                  <a:cs typeface="TT Rounds Condensed"/>
+                  <a:sym typeface="TT Rounds Condensed"/>
+                </a:rPr>
+                <a:t>: </a:t>
+              </a:r>
+              <a:r>
+                <a:rPr lang="en-US" sz="3000" spc="28" dirty="0" err="1">
+                  <a:solidFill>
+                    <a:srgbClr val="F7F7F7"/>
+                  </a:solidFill>
+                  <a:latin typeface="TT Rounds Condensed"/>
+                  <a:ea typeface="TT Rounds Condensed"/>
+                  <a:cs typeface="TT Rounds Condensed"/>
+                  <a:sym typeface="TT Rounds Condensed"/>
+                </a:rPr>
+                <a:t>Desarrollar</a:t>
+              </a:r>
+              <a:r>
+                <a:rPr lang="en-US" sz="3000" spc="28" dirty="0">
+                  <a:solidFill>
+                    <a:srgbClr val="F7F7F7"/>
+                  </a:solidFill>
+                  <a:latin typeface="TT Rounds Condensed"/>
+                  <a:ea typeface="TT Rounds Condensed"/>
+                  <a:cs typeface="TT Rounds Condensed"/>
+                  <a:sym typeface="TT Rounds Condensed"/>
+                </a:rPr>
+                <a:t> Backend del </a:t>
+              </a:r>
+              <a:r>
+                <a:rPr lang="en-US" sz="3000" spc="28" dirty="0" err="1">
+                  <a:solidFill>
+                    <a:srgbClr val="F7F7F7"/>
+                  </a:solidFill>
+                  <a:latin typeface="TT Rounds Condensed"/>
+                  <a:ea typeface="TT Rounds Condensed"/>
+                  <a:cs typeface="TT Rounds Condensed"/>
+                  <a:sym typeface="TT Rounds Condensed"/>
+                </a:rPr>
+                <a:t>proyecto</a:t>
+              </a:r>
+              <a:endParaRPr lang="en-US" sz="3000" spc="28" dirty="0">
+                <a:solidFill>
+                  <a:srgbClr val="F7F7F7"/>
+                </a:solidFill>
+                <a:latin typeface="TT Rounds Condensed"/>
+                <a:ea typeface="TT Rounds Condensed"/>
+                <a:cs typeface="TT Rounds Condensed"/>
+                <a:sym typeface="TT Rounds Condensed"/>
+              </a:endParaRPr>
             </a:p>
           </p:txBody>
         </p:sp>
@@ -7386,7 +7464,7 @@
                 </a:lnSpc>
               </a:pPr>
               <a:r>
-                <a:rPr lang="en-US" sz="3900" spc="36">
+                <a:rPr lang="en-US" sz="3900" spc="36" dirty="0">
                   <a:solidFill>
                     <a:srgbClr val="F7F7F7"/>
                   </a:solidFill>
@@ -7395,8 +7473,29 @@
                   <a:cs typeface="TT Rounds Condensed"/>
                   <a:sym typeface="TT Rounds Condensed"/>
                 </a:rPr>
-                <a:t>Gabriel Carcamo</a:t>
+                <a:t>Gabriel </a:t>
               </a:r>
+              <a:r>
+                <a:rPr lang="en-US" sz="3900" spc="36" dirty="0" err="1">
+                  <a:solidFill>
+                    <a:srgbClr val="F7F7F7"/>
+                  </a:solidFill>
+                  <a:latin typeface="TT Rounds Condensed"/>
+                  <a:ea typeface="TT Rounds Condensed"/>
+                  <a:cs typeface="TT Rounds Condensed"/>
+                  <a:sym typeface="TT Rounds Condensed"/>
+                </a:rPr>
+                <a:t>Carcamo</a:t>
+              </a:r>
+              <a:endParaRPr lang="en-US" sz="3900" spc="36" dirty="0">
+                <a:solidFill>
+                  <a:srgbClr val="F7F7F7"/>
+                </a:solidFill>
+                <a:latin typeface="TT Rounds Condensed"/>
+                <a:ea typeface="TT Rounds Condensed"/>
+                <a:cs typeface="TT Rounds Condensed"/>
+                <a:sym typeface="TT Rounds Condensed"/>
+              </a:endParaRPr>
             </a:p>
             <a:p>
               <a:pPr marL="542925" lvl="2" indent="-180975" algn="l">
@@ -7407,7 +7506,19 @@
                 <a:buChar char="⚬"/>
               </a:pPr>
               <a:r>
-                <a:rPr lang="en-US" sz="3000" spc="28">
+                <a:rPr lang="en-US" sz="3000" spc="28" dirty="0">
+                  <a:solidFill>
+                    <a:srgbClr val="F7F7F7"/>
+                  </a:solidFill>
+                  <a:latin typeface="TT Rounds Condensed"/>
+                  <a:ea typeface="TT Rounds Condensed"/>
+                  <a:cs typeface="TT Rounds Condensed"/>
+                  <a:sym typeface="TT Rounds Condensed"/>
+                </a:rPr>
+                <a:t>Cargo: </a:t>
+              </a:r>
+              <a:r>
+                <a:rPr lang="en-US" sz="3000" spc="28" dirty="0" err="1">
                   <a:solidFill>
                     <a:srgbClr val="F7F7F7"/>
                   </a:solidFill>
@@ -7418,6 +7529,15 @@
                 </a:rPr>
                 <a:t>Desarrollador</a:t>
               </a:r>
+              <a:endParaRPr lang="en-US" sz="3000" spc="28" dirty="0">
+                <a:solidFill>
+                  <a:srgbClr val="F7F7F7"/>
+                </a:solidFill>
+                <a:latin typeface="TT Rounds Condensed"/>
+                <a:ea typeface="TT Rounds Condensed"/>
+                <a:cs typeface="TT Rounds Condensed"/>
+                <a:sym typeface="TT Rounds Condensed"/>
+              </a:endParaRPr>
             </a:p>
             <a:p>
               <a:pPr marL="542925" lvl="2" indent="-180975" algn="l">
@@ -7428,7 +7548,7 @@
                 <a:buChar char="⚬"/>
               </a:pPr>
               <a:r>
-                <a:rPr lang="en-US" sz="3000" spc="28">
+                <a:rPr lang="en-US" sz="3000" spc="28" dirty="0" err="1">
                   <a:solidFill>
                     <a:srgbClr val="F7F7F7"/>
                   </a:solidFill>
@@ -7437,7 +7557,115 @@
                   <a:cs typeface="TT Rounds Condensed"/>
                   <a:sym typeface="TT Rounds Condensed"/>
                 </a:rPr>
-                <a:t>Diseñar la interfaz de usuario del proyecto.</a:t>
+                <a:t>Función</a:t>
+              </a:r>
+              <a:r>
+                <a:rPr lang="en-US" sz="3000" spc="28" dirty="0">
+                  <a:solidFill>
+                    <a:srgbClr val="F7F7F7"/>
+                  </a:solidFill>
+                  <a:latin typeface="TT Rounds Condensed"/>
+                  <a:ea typeface="TT Rounds Condensed"/>
+                  <a:cs typeface="TT Rounds Condensed"/>
+                  <a:sym typeface="TT Rounds Condensed"/>
+                </a:rPr>
+                <a:t>: </a:t>
+              </a:r>
+              <a:r>
+                <a:rPr lang="en-US" sz="3000" spc="28" dirty="0" err="1">
+                  <a:solidFill>
+                    <a:srgbClr val="F7F7F7"/>
+                  </a:solidFill>
+                  <a:latin typeface="TT Rounds Condensed"/>
+                  <a:ea typeface="TT Rounds Condensed"/>
+                  <a:cs typeface="TT Rounds Condensed"/>
+                  <a:sym typeface="TT Rounds Condensed"/>
+                </a:rPr>
+                <a:t>Diseñar</a:t>
+              </a:r>
+              <a:r>
+                <a:rPr lang="en-US" sz="3000" spc="28" dirty="0">
+                  <a:solidFill>
+                    <a:srgbClr val="F7F7F7"/>
+                  </a:solidFill>
+                  <a:latin typeface="TT Rounds Condensed"/>
+                  <a:ea typeface="TT Rounds Condensed"/>
+                  <a:cs typeface="TT Rounds Condensed"/>
+                  <a:sym typeface="TT Rounds Condensed"/>
+                </a:rPr>
+                <a:t> la </a:t>
+              </a:r>
+              <a:r>
+                <a:rPr lang="en-US" sz="3000" spc="28" dirty="0" err="1">
+                  <a:solidFill>
+                    <a:srgbClr val="F7F7F7"/>
+                  </a:solidFill>
+                  <a:latin typeface="TT Rounds Condensed"/>
+                  <a:ea typeface="TT Rounds Condensed"/>
+                  <a:cs typeface="TT Rounds Condensed"/>
+                  <a:sym typeface="TT Rounds Condensed"/>
+                </a:rPr>
+                <a:t>interfaz</a:t>
+              </a:r>
+              <a:r>
+                <a:rPr lang="en-US" sz="3000" spc="28" dirty="0">
+                  <a:solidFill>
+                    <a:srgbClr val="F7F7F7"/>
+                  </a:solidFill>
+                  <a:latin typeface="TT Rounds Condensed"/>
+                  <a:ea typeface="TT Rounds Condensed"/>
+                  <a:cs typeface="TT Rounds Condensed"/>
+                  <a:sym typeface="TT Rounds Condensed"/>
+                </a:rPr>
+                <a:t> de </a:t>
+              </a:r>
+              <a:r>
+                <a:rPr lang="en-US" sz="3000" spc="28" dirty="0" err="1">
+                  <a:solidFill>
+                    <a:srgbClr val="F7F7F7"/>
+                  </a:solidFill>
+                  <a:latin typeface="TT Rounds Condensed"/>
+                  <a:ea typeface="TT Rounds Condensed"/>
+                  <a:cs typeface="TT Rounds Condensed"/>
+                  <a:sym typeface="TT Rounds Condensed"/>
+                </a:rPr>
+                <a:t>usuario</a:t>
+              </a:r>
+              <a:r>
+                <a:rPr lang="en-US" sz="3000" spc="28" dirty="0">
+                  <a:solidFill>
+                    <a:srgbClr val="F7F7F7"/>
+                  </a:solidFill>
+                  <a:latin typeface="TT Rounds Condensed"/>
+                  <a:ea typeface="TT Rounds Condensed"/>
+                  <a:cs typeface="TT Rounds Condensed"/>
+                  <a:sym typeface="TT Rounds Condensed"/>
+                </a:rPr>
+                <a:t> del </a:t>
+              </a:r>
+              <a:r>
+                <a:rPr lang="en-US" sz="3000" spc="28" dirty="0" err="1">
+                  <a:solidFill>
+                    <a:srgbClr val="F7F7F7"/>
+                  </a:solidFill>
+                  <a:latin typeface="TT Rounds Condensed"/>
+                  <a:ea typeface="TT Rounds Condensed"/>
+                  <a:cs typeface="TT Rounds Condensed"/>
+                  <a:sym typeface="TT Rounds Condensed"/>
+                </a:rPr>
+                <a:t>proyecto</a:t>
+              </a:r>
+              <a:r>
+                <a:rPr lang="en-US" sz="3000" spc="28" dirty="0">
+                  <a:solidFill>
+                    <a:srgbClr val="F7F7F7"/>
+                  </a:solidFill>
+                  <a:latin typeface="TT Rounds Condensed"/>
+                  <a:ea typeface="TT Rounds Condensed"/>
+                  <a:cs typeface="TT Rounds Condensed"/>
+                  <a:sym typeface="TT Rounds Condensed"/>
+                </a:rPr>
+                <a:t>.</a:t>
               </a:r>
             </a:p>
           </p:txBody>
@@ -7625,7 +7853,7 @@
                 </a:lnSpc>
               </a:pPr>
               <a:r>
-                <a:rPr lang="en-US" sz="3900" spc="36">
+                <a:rPr lang="en-US" sz="3900" spc="36" dirty="0">
                   <a:solidFill>
                     <a:srgbClr val="F7F7F7"/>
                   </a:solidFill>
@@ -7646,7 +7874,19 @@
                 <a:buChar char="⚬"/>
               </a:pPr>
               <a:r>
-                <a:rPr lang="en-US" sz="3000" spc="28">
+                <a:rPr lang="en-US" sz="3000" spc="28" dirty="0">
+                  <a:solidFill>
+                    <a:srgbClr val="F7F7F7"/>
+                  </a:solidFill>
+                  <a:latin typeface="TT Rounds Condensed"/>
+                  <a:ea typeface="TT Rounds Condensed"/>
+                  <a:cs typeface="TT Rounds Condensed"/>
+                  <a:sym typeface="TT Rounds Condensed"/>
+                </a:rPr>
+                <a:t>Cargo: </a:t>
+              </a:r>
+              <a:r>
+                <a:rPr lang="en-US" sz="3000" spc="28" dirty="0" err="1">
                   <a:solidFill>
                     <a:srgbClr val="F7F7F7"/>
                   </a:solidFill>
@@ -7657,6 +7897,15 @@
                 </a:rPr>
                 <a:t>Desarrollador</a:t>
               </a:r>
+              <a:endParaRPr lang="en-US" sz="3000" spc="28" dirty="0">
+                <a:solidFill>
+                  <a:srgbClr val="F7F7F7"/>
+                </a:solidFill>
+                <a:latin typeface="TT Rounds Condensed"/>
+                <a:ea typeface="TT Rounds Condensed"/>
+                <a:cs typeface="TT Rounds Condensed"/>
+                <a:sym typeface="TT Rounds Condensed"/>
+              </a:endParaRPr>
             </a:p>
             <a:p>
               <a:pPr marL="542925" lvl="2" indent="-180975" algn="l">
@@ -7667,7 +7916,7 @@
                 <a:buChar char="⚬"/>
               </a:pPr>
               <a:r>
-                <a:rPr lang="en-US" sz="3000" spc="28">
+                <a:rPr lang="en-US" sz="3000" spc="28" dirty="0" err="1">
                   <a:solidFill>
                     <a:srgbClr val="F7F7F7"/>
                   </a:solidFill>
@@ -7676,7 +7925,67 @@
                   <a:cs typeface="TT Rounds Condensed"/>
                   <a:sym typeface="TT Rounds Condensed"/>
                 </a:rPr>
-                <a:t>Desarrollador Frontend del proyecto.</a:t>
+                <a:t>Función</a:t>
+              </a:r>
+              <a:r>
+                <a:rPr lang="en-US" sz="3000" spc="28" dirty="0">
+                  <a:solidFill>
+                    <a:srgbClr val="F7F7F7"/>
+                  </a:solidFill>
+                  <a:latin typeface="TT Rounds Condensed"/>
+                  <a:ea typeface="TT Rounds Condensed"/>
+                  <a:cs typeface="TT Rounds Condensed"/>
+                  <a:sym typeface="TT Rounds Condensed"/>
+                </a:rPr>
+                <a:t>: </a:t>
+              </a:r>
+              <a:r>
+                <a:rPr lang="en-US" sz="3000" spc="28" dirty="0" err="1">
+                  <a:solidFill>
+                    <a:srgbClr val="F7F7F7"/>
+                  </a:solidFill>
+                  <a:latin typeface="TT Rounds Condensed"/>
+                  <a:ea typeface="TT Rounds Condensed"/>
+                  <a:cs typeface="TT Rounds Condensed"/>
+                  <a:sym typeface="TT Rounds Condensed"/>
+                </a:rPr>
+                <a:t>Desarrollador</a:t>
+              </a:r>
+              <a:r>
+                <a:rPr lang="en-US" sz="3000" spc="28" dirty="0">
+                  <a:solidFill>
+                    <a:srgbClr val="F7F7F7"/>
+                  </a:solidFill>
+                  <a:latin typeface="TT Rounds Condensed"/>
+                  <a:ea typeface="TT Rounds Condensed"/>
+                  <a:cs typeface="TT Rounds Condensed"/>
+                  <a:sym typeface="TT Rounds Condensed"/>
+                </a:rPr>
+                <a:t> Frontend del </a:t>
+              </a:r>
+              <a:r>
+                <a:rPr lang="en-US" sz="3000" spc="28" dirty="0" err="1">
+                  <a:solidFill>
+                    <a:srgbClr val="F7F7F7"/>
+                  </a:solidFill>
+                  <a:latin typeface="TT Rounds Condensed"/>
+                  <a:ea typeface="TT Rounds Condensed"/>
+                  <a:cs typeface="TT Rounds Condensed"/>
+                  <a:sym typeface="TT Rounds Condensed"/>
+                </a:rPr>
+                <a:t>proyecto</a:t>
+              </a:r>
+              <a:r>
+                <a:rPr lang="en-US" sz="3000" spc="28" dirty="0">
+                  <a:solidFill>
+                    <a:srgbClr val="F7F7F7"/>
+                  </a:solidFill>
+                  <a:latin typeface="TT Rounds Condensed"/>
+                  <a:ea typeface="TT Rounds Condensed"/>
+                  <a:cs typeface="TT Rounds Condensed"/>
+                  <a:sym typeface="TT Rounds Condensed"/>
+                </a:rPr>
+                <a:t>.</a:t>
               </a:r>
             </a:p>
           </p:txBody>
@@ -11092,7 +11401,7 @@
               </a:lnSpc>
             </a:pPr>
             <a:r>
-              <a:rPr lang="en-US" sz="5400" spc="50">
+              <a:rPr lang="en-US" sz="5400" spc="50" dirty="0" err="1">
                 <a:solidFill>
                   <a:srgbClr val="F7F7F7"/>
                 </a:solidFill>
@@ -11101,8 +11410,113 @@
                 <a:cs typeface="TT Rounds Condensed"/>
                 <a:sym typeface="TT Rounds Condensed"/>
               </a:rPr>
-              <a:t>Metodología de trabajo para el desarrollo del proyecto</a:t>
+              <a:t>Metodología</a:t>
             </a:r>
+            <a:r>
+              <a:rPr lang="en-US" sz="5400" spc="50" dirty="0">
+                <a:solidFill>
+                  <a:srgbClr val="F7F7F7"/>
+                </a:solidFill>
+                <a:latin typeface="TT Rounds Condensed"/>
+                <a:ea typeface="TT Rounds Condensed"/>
+                <a:cs typeface="TT Rounds Condensed"/>
+                <a:sym typeface="TT Rounds Condensed"/>
+              </a:rPr>
+              <a:t> de </a:t>
+            </a:r>
+            <a:r>
+              <a:rPr lang="en-US" sz="5400" spc="50" dirty="0" err="1">
+                <a:solidFill>
+                  <a:srgbClr val="F7F7F7"/>
+                </a:solidFill>
+                <a:latin typeface="TT Rounds Condensed"/>
+                <a:ea typeface="TT Rounds Condensed"/>
+                <a:cs typeface="TT Rounds Condensed"/>
+                <a:sym typeface="TT Rounds Condensed"/>
+              </a:rPr>
+              <a:t>trabajo</a:t>
+            </a:r>
+            <a:r>
+              <a:rPr lang="en-US" sz="5400" spc="50" dirty="0">
+                <a:solidFill>
+                  <a:srgbClr val="F7F7F7"/>
+                </a:solidFill>
+                <a:latin typeface="TT Rounds Condensed"/>
+                <a:ea typeface="TT Rounds Condensed"/>
+                <a:cs typeface="TT Rounds Condensed"/>
+                <a:sym typeface="TT Rounds Condensed"/>
+              </a:rPr>
+              <a:t> para </a:t>
+            </a:r>
+            <a:r>
+              <a:rPr lang="en-US" sz="5400" spc="50" dirty="0" err="1">
+                <a:solidFill>
+                  <a:srgbClr val="F7F7F7"/>
+                </a:solidFill>
+                <a:latin typeface="TT Rounds Condensed"/>
+                <a:ea typeface="TT Rounds Condensed"/>
+                <a:cs typeface="TT Rounds Condensed"/>
+                <a:sym typeface="TT Rounds Condensed"/>
+              </a:rPr>
+              <a:t>el</a:t>
+            </a:r>
+            <a:r>
+              <a:rPr lang="en-US" sz="5400" spc="50" dirty="0">
+                <a:solidFill>
+                  <a:srgbClr val="F7F7F7"/>
+                </a:solidFill>
+                <a:latin typeface="TT Rounds Condensed"/>
+                <a:ea typeface="TT Rounds Condensed"/>
+                <a:cs typeface="TT Rounds Condensed"/>
+                <a:sym typeface="TT Rounds Condensed"/>
+              </a:rPr>
+              <a:t> </a:t>
+            </a:r>
+            <a:r>
+              <a:rPr lang="en-US" sz="5400" spc="50" dirty="0" err="1">
+                <a:solidFill>
+                  <a:srgbClr val="F7F7F7"/>
+                </a:solidFill>
+                <a:latin typeface="TT Rounds Condensed"/>
+                <a:ea typeface="TT Rounds Condensed"/>
+                <a:cs typeface="TT Rounds Condensed"/>
+                <a:sym typeface="TT Rounds Condensed"/>
+              </a:rPr>
+              <a:t>desarrollo</a:t>
+            </a:r>
+            <a:r>
+              <a:rPr lang="en-US" sz="5400" spc="50" dirty="0">
+                <a:solidFill>
+                  <a:srgbClr val="F7F7F7"/>
+                </a:solidFill>
+                <a:latin typeface="TT Rounds Condensed"/>
+                <a:ea typeface="TT Rounds Condensed"/>
+                <a:cs typeface="TT Rounds Condensed"/>
+                <a:sym typeface="TT Rounds Condensed"/>
+              </a:rPr>
+              <a:t> del </a:t>
+            </a:r>
+            <a:r>
+              <a:rPr lang="en-US" sz="5400" spc="50" dirty="0" err="1">
+                <a:solidFill>
+                  <a:srgbClr val="F7F7F7"/>
+                </a:solidFill>
+                <a:latin typeface="TT Rounds Condensed"/>
+                <a:ea typeface="TT Rounds Condensed"/>
+                <a:cs typeface="TT Rounds Condensed"/>
+                <a:sym typeface="TT Rounds Condensed"/>
+              </a:rPr>
+              <a:t>proyecto</a:t>
+            </a:r>
+            <a:endParaRPr lang="en-US" sz="5400" spc="50" dirty="0">
+              <a:solidFill>
+                <a:srgbClr val="F7F7F7"/>
+              </a:solidFill>
+              <a:latin typeface="TT Rounds Condensed"/>
+              <a:ea typeface="TT Rounds Condensed"/>
+              <a:cs typeface="TT Rounds Condensed"/>
+              <a:sym typeface="TT Rounds Condensed"/>
+            </a:endParaRPr>
           </a:p>
         </p:txBody>
       </p:sp>
@@ -23170,7 +23584,7 @@
           <a:bodyPr/>
           <a:lstStyle/>
           <a:p>
-            <a:endParaRPr lang="es-CL"/>
+            <a:endParaRPr lang="es-CL" dirty="0"/>
           </a:p>
         </p:txBody>
       </p:sp>
@@ -23337,6 +23751,99 @@
           <a:lstStyle/>
           <a:p>
             <a:endParaRPr lang="es-CL"/>
+          </a:p>
+        </p:txBody>
+      </p:sp>
+      <p:sp>
+        <p:nvSpPr>
+          <p:cNvPr id="7" name="Rectángulo 6">
+            <a:extLst>
+              <a:ext uri="{FF2B5EF4-FFF2-40B4-BE49-F238E27FC236}">
+                <a16:creationId xmlns:a16="http://schemas.microsoft.com/office/drawing/2014/main" id="{64EF907B-8F54-ACD5-BED8-FC2CE839E190}"/>
+              </a:ext>
+            </a:extLst>
+          </p:cNvPr>
+          <p:cNvSpPr/>
+          <p:nvPr/>
+        </p:nvSpPr>
+        <p:spPr>
+          <a:xfrm>
+            <a:off x="2514600" y="6678721"/>
+            <a:ext cx="152400" cy="141179"/>
+          </a:xfrm>
+          <a:prstGeom prst="rect">
+            <a:avLst/>
+          </a:prstGeom>
+          <a:solidFill>
+            <a:srgbClr val="282C34"/>
+          </a:solidFill>
+          <a:ln>
+            <a:solidFill>
+              <a:srgbClr val="282C34"/>
+            </a:solidFill>
+          </a:ln>
+        </p:spPr>
+        <p:style>
+          <a:lnRef idx="2">
+            <a:schemeClr val="accent1">
+              <a:shade val="15000"/>
+            </a:schemeClr>
+          </a:lnRef>
+          <a:fillRef idx="1">
+            <a:schemeClr val="accent1"/>
+          </a:fillRef>
+          <a:effectRef idx="0">
+            <a:schemeClr val="accent1"/>
+          </a:effectRef>
+          <a:fontRef idx="minor">
+            <a:schemeClr val="lt1"/>
+          </a:fontRef>
+        </p:style>
+        <p:txBody>
+          <a:bodyPr rtlCol="0" anchor="ctr"/>
+          <a:lstStyle/>
+          <a:p>
+            <a:pPr algn="ctr"/>
+            <a:endParaRPr lang="es-CL"/>
+          </a:p>
+        </p:txBody>
+      </p:sp>
+      <p:sp>
+        <p:nvSpPr>
+          <p:cNvPr id="8" name="CuadroTexto 7">
+            <a:extLst>
+              <a:ext uri="{FF2B5EF4-FFF2-40B4-BE49-F238E27FC236}">
+                <a16:creationId xmlns:a16="http://schemas.microsoft.com/office/drawing/2014/main" id="{043A4FE2-31A9-40F2-06DE-3BE582D49EF8}"/>
+              </a:ext>
+            </a:extLst>
+          </p:cNvPr>
+          <p:cNvSpPr txBox="1"/>
+          <p:nvPr/>
+        </p:nvSpPr>
+        <p:spPr>
+          <a:xfrm>
+            <a:off x="2590800" y="6591300"/>
+            <a:ext cx="152400" cy="230832"/>
+          </a:xfrm>
+          <a:prstGeom prst="rect">
+            <a:avLst/>
+          </a:prstGeom>
+          <a:noFill/>
+        </p:spPr>
+        <p:txBody>
+          <a:bodyPr wrap="square" rtlCol="0">
+            <a:spAutoFit/>
+          </a:bodyPr>
+          <a:lstStyle/>
+          <a:p>
+            <a:r>
+              <a:rPr lang="es-CL" sz="900" dirty="0">
+                <a:solidFill>
+                  <a:srgbClr val="A1AA93"/>
+                </a:solidFill>
+              </a:rPr>
+              <a:t>1</a:t>
+            </a:r>
           </a:p>
         </p:txBody>
       </p:sp>
